--- a/swtools_badge/sw_tools_badge_v1.0.pptx
+++ b/swtools_badge/sw_tools_badge_v1.0.pptx
@@ -104,6 +104,11 @@
       </a:defRPr>
     </a:lvl9pPr>
   </p:defaultTextStyle>
+  <p:extLst>
+    <p:ext uri="{EFAFB233-063F-42B5-8137-9DF3F51BA10A}">
+      <p15:sldGuideLst xmlns:p15="http://schemas.microsoft.com/office/powerpoint/2012/main"/>
+    </p:ext>
+  </p:extLst>
 </p:presentation>
 </file>
 
@@ -256,7 +261,7 @@
           <a:p>
             <a:fld id="{DF869DAE-1B89-493E-B609-373100E737EB}" type="datetimeFigureOut">
               <a:rPr lang="en-GB" smtClean="0"/>
-              <a:t>12/11/2019</a:t>
+              <a:t>03/12/2019</a:t>
             </a:fld>
             <a:endParaRPr lang="en-GB"/>
           </a:p>
@@ -456,7 +461,7 @@
           <a:p>
             <a:fld id="{DF869DAE-1B89-493E-B609-373100E737EB}" type="datetimeFigureOut">
               <a:rPr lang="en-GB" smtClean="0"/>
-              <a:t>12/11/2019</a:t>
+              <a:t>03/12/2019</a:t>
             </a:fld>
             <a:endParaRPr lang="en-GB"/>
           </a:p>
@@ -666,7 +671,7 @@
           <a:p>
             <a:fld id="{DF869DAE-1B89-493E-B609-373100E737EB}" type="datetimeFigureOut">
               <a:rPr lang="en-GB" smtClean="0"/>
-              <a:t>12/11/2019</a:t>
+              <a:t>03/12/2019</a:t>
             </a:fld>
             <a:endParaRPr lang="en-GB"/>
           </a:p>
@@ -866,7 +871,7 @@
           <a:p>
             <a:fld id="{DF869DAE-1B89-493E-B609-373100E737EB}" type="datetimeFigureOut">
               <a:rPr lang="en-GB" smtClean="0"/>
-              <a:t>12/11/2019</a:t>
+              <a:t>03/12/2019</a:t>
             </a:fld>
             <a:endParaRPr lang="en-GB"/>
           </a:p>
@@ -1142,7 +1147,7 @@
           <a:p>
             <a:fld id="{DF869DAE-1B89-493E-B609-373100E737EB}" type="datetimeFigureOut">
               <a:rPr lang="en-GB" smtClean="0"/>
-              <a:t>12/11/2019</a:t>
+              <a:t>03/12/2019</a:t>
             </a:fld>
             <a:endParaRPr lang="en-GB"/>
           </a:p>
@@ -1410,7 +1415,7 @@
           <a:p>
             <a:fld id="{DF869DAE-1B89-493E-B609-373100E737EB}" type="datetimeFigureOut">
               <a:rPr lang="en-GB" smtClean="0"/>
-              <a:t>12/11/2019</a:t>
+              <a:t>03/12/2019</a:t>
             </a:fld>
             <a:endParaRPr lang="en-GB"/>
           </a:p>
@@ -1825,7 +1830,7 @@
           <a:p>
             <a:fld id="{DF869DAE-1B89-493E-B609-373100E737EB}" type="datetimeFigureOut">
               <a:rPr lang="en-GB" smtClean="0"/>
-              <a:t>12/11/2019</a:t>
+              <a:t>03/12/2019</a:t>
             </a:fld>
             <a:endParaRPr lang="en-GB"/>
           </a:p>
@@ -1967,7 +1972,7 @@
           <a:p>
             <a:fld id="{DF869DAE-1B89-493E-B609-373100E737EB}" type="datetimeFigureOut">
               <a:rPr lang="en-GB" smtClean="0"/>
-              <a:t>12/11/2019</a:t>
+              <a:t>03/12/2019</a:t>
             </a:fld>
             <a:endParaRPr lang="en-GB"/>
           </a:p>
@@ -2080,7 +2085,7 @@
           <a:p>
             <a:fld id="{DF869DAE-1B89-493E-B609-373100E737EB}" type="datetimeFigureOut">
               <a:rPr lang="en-GB" smtClean="0"/>
-              <a:t>12/11/2019</a:t>
+              <a:t>03/12/2019</a:t>
             </a:fld>
             <a:endParaRPr lang="en-GB"/>
           </a:p>
@@ -2393,7 +2398,7 @@
           <a:p>
             <a:fld id="{DF869DAE-1B89-493E-B609-373100E737EB}" type="datetimeFigureOut">
               <a:rPr lang="en-GB" smtClean="0"/>
-              <a:t>12/11/2019</a:t>
+              <a:t>03/12/2019</a:t>
             </a:fld>
             <a:endParaRPr lang="en-GB"/>
           </a:p>
@@ -2682,7 +2687,7 @@
           <a:p>
             <a:fld id="{DF869DAE-1B89-493E-B609-373100E737EB}" type="datetimeFigureOut">
               <a:rPr lang="en-GB" smtClean="0"/>
-              <a:t>12/11/2019</a:t>
+              <a:t>03/12/2019</a:t>
             </a:fld>
             <a:endParaRPr lang="en-GB"/>
           </a:p>
@@ -2925,7 +2930,7 @@
           <a:p>
             <a:fld id="{DF869DAE-1B89-493E-B609-373100E737EB}" type="datetimeFigureOut">
               <a:rPr lang="en-GB" smtClean="0"/>
-              <a:t>12/11/2019</a:t>
+              <a:t>03/12/2019</a:t>
             </a:fld>
             <a:endParaRPr lang="en-GB"/>
           </a:p>
@@ -3356,8 +3361,8 @@
         </p:nvGrpSpPr>
         <p:grpSpPr>
           <a:xfrm>
-            <a:off x="3473042" y="1468073"/>
-            <a:ext cx="2833647" cy="802778"/>
+            <a:off x="3473042" y="1468072"/>
+            <a:ext cx="3020037" cy="830511"/>
             <a:chOff x="3473042" y="1468073"/>
             <a:chExt cx="2833647" cy="802778"/>
           </a:xfrm>

--- a/swtools_badge/sw_tools_badge_v1.0.pptx
+++ b/swtools_badge/sw_tools_badge_v1.0.pptx
@@ -261,7 +261,7 @@
           <a:p>
             <a:fld id="{DF869DAE-1B89-493E-B609-373100E737EB}" type="datetimeFigureOut">
               <a:rPr lang="en-GB" smtClean="0"/>
-              <a:t>03/12/2019</a:t>
+              <a:t>29/12/2019</a:t>
             </a:fld>
             <a:endParaRPr lang="en-GB"/>
           </a:p>
@@ -461,7 +461,7 @@
           <a:p>
             <a:fld id="{DF869DAE-1B89-493E-B609-373100E737EB}" type="datetimeFigureOut">
               <a:rPr lang="en-GB" smtClean="0"/>
-              <a:t>03/12/2019</a:t>
+              <a:t>29/12/2019</a:t>
             </a:fld>
             <a:endParaRPr lang="en-GB"/>
           </a:p>
@@ -671,7 +671,7 @@
           <a:p>
             <a:fld id="{DF869DAE-1B89-493E-B609-373100E737EB}" type="datetimeFigureOut">
               <a:rPr lang="en-GB" smtClean="0"/>
-              <a:t>03/12/2019</a:t>
+              <a:t>29/12/2019</a:t>
             </a:fld>
             <a:endParaRPr lang="en-GB"/>
           </a:p>
@@ -871,7 +871,7 @@
           <a:p>
             <a:fld id="{DF869DAE-1B89-493E-B609-373100E737EB}" type="datetimeFigureOut">
               <a:rPr lang="en-GB" smtClean="0"/>
-              <a:t>03/12/2019</a:t>
+              <a:t>29/12/2019</a:t>
             </a:fld>
             <a:endParaRPr lang="en-GB"/>
           </a:p>
@@ -1147,7 +1147,7 @@
           <a:p>
             <a:fld id="{DF869DAE-1B89-493E-B609-373100E737EB}" type="datetimeFigureOut">
               <a:rPr lang="en-GB" smtClean="0"/>
-              <a:t>03/12/2019</a:t>
+              <a:t>29/12/2019</a:t>
             </a:fld>
             <a:endParaRPr lang="en-GB"/>
           </a:p>
@@ -1415,7 +1415,7 @@
           <a:p>
             <a:fld id="{DF869DAE-1B89-493E-B609-373100E737EB}" type="datetimeFigureOut">
               <a:rPr lang="en-GB" smtClean="0"/>
-              <a:t>03/12/2019</a:t>
+              <a:t>29/12/2019</a:t>
             </a:fld>
             <a:endParaRPr lang="en-GB"/>
           </a:p>
@@ -1830,7 +1830,7 @@
           <a:p>
             <a:fld id="{DF869DAE-1B89-493E-B609-373100E737EB}" type="datetimeFigureOut">
               <a:rPr lang="en-GB" smtClean="0"/>
-              <a:t>03/12/2019</a:t>
+              <a:t>29/12/2019</a:t>
             </a:fld>
             <a:endParaRPr lang="en-GB"/>
           </a:p>
@@ -1972,7 +1972,7 @@
           <a:p>
             <a:fld id="{DF869DAE-1B89-493E-B609-373100E737EB}" type="datetimeFigureOut">
               <a:rPr lang="en-GB" smtClean="0"/>
-              <a:t>03/12/2019</a:t>
+              <a:t>29/12/2019</a:t>
             </a:fld>
             <a:endParaRPr lang="en-GB"/>
           </a:p>
@@ -2085,7 +2085,7 @@
           <a:p>
             <a:fld id="{DF869DAE-1B89-493E-B609-373100E737EB}" type="datetimeFigureOut">
               <a:rPr lang="en-GB" smtClean="0"/>
-              <a:t>03/12/2019</a:t>
+              <a:t>29/12/2019</a:t>
             </a:fld>
             <a:endParaRPr lang="en-GB"/>
           </a:p>
@@ -2398,7 +2398,7 @@
           <a:p>
             <a:fld id="{DF869DAE-1B89-493E-B609-373100E737EB}" type="datetimeFigureOut">
               <a:rPr lang="en-GB" smtClean="0"/>
-              <a:t>03/12/2019</a:t>
+              <a:t>29/12/2019</a:t>
             </a:fld>
             <a:endParaRPr lang="en-GB"/>
           </a:p>
@@ -2687,7 +2687,7 @@
           <a:p>
             <a:fld id="{DF869DAE-1B89-493E-B609-373100E737EB}" type="datetimeFigureOut">
               <a:rPr lang="en-GB" smtClean="0"/>
-              <a:t>03/12/2019</a:t>
+              <a:t>29/12/2019</a:t>
             </a:fld>
             <a:endParaRPr lang="en-GB"/>
           </a:p>
@@ -2930,7 +2930,7 @@
           <a:p>
             <a:fld id="{DF869DAE-1B89-493E-B609-373100E737EB}" type="datetimeFigureOut">
               <a:rPr lang="en-GB" smtClean="0"/>
-              <a:t>03/12/2019</a:t>
+              <a:t>29/12/2019</a:t>
             </a:fld>
             <a:endParaRPr lang="en-GB"/>
           </a:p>
@@ -3361,10 +3361,10 @@
         </p:nvGrpSpPr>
         <p:grpSpPr>
           <a:xfrm>
-            <a:off x="3473042" y="1468072"/>
-            <a:ext cx="3020037" cy="830511"/>
+            <a:off x="3473034" y="1468070"/>
+            <a:ext cx="3105379" cy="830510"/>
             <a:chOff x="3473042" y="1468073"/>
-            <a:chExt cx="2833647" cy="802778"/>
+            <a:chExt cx="2913725" cy="802778"/>
           </a:xfrm>
         </p:grpSpPr>
         <p:grpSp>
@@ -3382,9 +3382,9 @@
           <p:grpSpPr>
             <a:xfrm>
               <a:off x="3473042" y="1468073"/>
-              <a:ext cx="2833647" cy="802778"/>
+              <a:ext cx="2913725" cy="802778"/>
               <a:chOff x="3473042" y="1468073"/>
-              <a:chExt cx="2833647" cy="802778"/>
+              <a:chExt cx="2913725" cy="802778"/>
             </a:xfrm>
           </p:grpSpPr>
           <p:sp>
@@ -3445,7 +3445,7 @@
                     <a:latin typeface="Courier New" panose="02070309020205020404" pitchFamily="49" charset="0"/>
                     <a:cs typeface="Courier New" panose="02070309020205020404" pitchFamily="49" charset="0"/>
                   </a:rPr>
-                  <a:t>AIRR</a:t>
+                  <a:t>AIRR-C</a:t>
                 </a:r>
                 <a:br>
                   <a:rPr lang="en-GB" b="1" dirty="0">
@@ -3761,7 +3761,7 @@
             </p:nvSpPr>
             <p:spPr>
               <a:xfrm>
-                <a:off x="5500058" y="1624520"/>
+                <a:off x="5580136" y="1624520"/>
                 <a:ext cx="806631" cy="646331"/>
               </a:xfrm>
               <a:prstGeom prst="rect">
